--- a/Comparisson with Ma et al/Compare Data.pptx
+++ b/Comparisson with Ma et al/Compare Data.pptx
@@ -150,6 +150,7 @@
               <a:solidFill>
                 <a:srgbClr val="73A8D4"/>
               </a:solidFill>
+              <a:prstDash val="dash"/>
               <a:round/>
             </a:ln>
             <a:effectLst/>
@@ -44329,7 +44330,7 @@
               </c:numCache>
             </c:numRef>
           </c:yVal>
-          <c:smooth val="0"/>
+          <c:smooth val="1"/>
           <c:extLst>
             <c:ext xmlns:c16="http://schemas.microsoft.com/office/drawing/2014/chart" uri="{C3380CC4-5D6E-409C-BE32-E72D297353CC}">
               <c16:uniqueId val="{00000000-581D-4D23-AFF2-440332D0811E}"/>
@@ -44356,20 +44357,6 @@
         </c:scaling>
         <c:delete val="1"/>
         <c:axPos val="b"/>
-        <c:majorGridlines>
-          <c:spPr>
-            <a:ln w="9525" cap="flat" cmpd="sng" algn="ctr">
-              <a:solidFill>
-                <a:schemeClr val="tx1">
-                  <a:lumMod val="15000"/>
-                  <a:lumOff val="85000"/>
-                </a:schemeClr>
-              </a:solidFill>
-              <a:round/>
-            </a:ln>
-            <a:effectLst/>
-          </c:spPr>
-        </c:majorGridlines>
         <c:numFmt formatCode="General" sourceLinked="1"/>
         <c:majorTickMark val="none"/>
         <c:minorTickMark val="none"/>
@@ -44389,20 +44376,6 @@
         </c:scaling>
         <c:delete val="1"/>
         <c:axPos val="l"/>
-        <c:majorGridlines>
-          <c:spPr>
-            <a:ln w="9525" cap="flat" cmpd="sng" algn="ctr">
-              <a:solidFill>
-                <a:schemeClr val="tx1">
-                  <a:lumMod val="15000"/>
-                  <a:lumOff val="85000"/>
-                </a:schemeClr>
-              </a:solidFill>
-              <a:round/>
-            </a:ln>
-            <a:effectLst/>
-          </c:spPr>
-        </c:majorGridlines>
         <c:numFmt formatCode="General" sourceLinked="1"/>
         <c:majorTickMark val="none"/>
         <c:minorTickMark val="none"/>
@@ -45135,7 +45108,7 @@
           <a:p>
             <a:fld id="{B0636D07-AA11-4A08-9129-2B108D1DDE78}" type="datetimeFigureOut">
               <a:rPr lang="en-US" smtClean="0"/>
-              <a:t>2/27/2020</a:t>
+              <a:t>2/18/2022</a:t>
             </a:fld>
             <a:endParaRPr lang="en-US"/>
           </a:p>
@@ -45305,7 +45278,7 @@
           <a:p>
             <a:fld id="{B0636D07-AA11-4A08-9129-2B108D1DDE78}" type="datetimeFigureOut">
               <a:rPr lang="en-US" smtClean="0"/>
-              <a:t>2/27/2020</a:t>
+              <a:t>2/18/2022</a:t>
             </a:fld>
             <a:endParaRPr lang="en-US"/>
           </a:p>
@@ -45485,7 +45458,7 @@
           <a:p>
             <a:fld id="{B0636D07-AA11-4A08-9129-2B108D1DDE78}" type="datetimeFigureOut">
               <a:rPr lang="en-US" smtClean="0"/>
-              <a:t>2/27/2020</a:t>
+              <a:t>2/18/2022</a:t>
             </a:fld>
             <a:endParaRPr lang="en-US"/>
           </a:p>
@@ -45655,7 +45628,7 @@
           <a:p>
             <a:fld id="{B0636D07-AA11-4A08-9129-2B108D1DDE78}" type="datetimeFigureOut">
               <a:rPr lang="en-US" smtClean="0"/>
-              <a:t>2/27/2020</a:t>
+              <a:t>2/18/2022</a:t>
             </a:fld>
             <a:endParaRPr lang="en-US"/>
           </a:p>
@@ -45901,7 +45874,7 @@
           <a:p>
             <a:fld id="{B0636D07-AA11-4A08-9129-2B108D1DDE78}" type="datetimeFigureOut">
               <a:rPr lang="en-US" smtClean="0"/>
-              <a:t>2/27/2020</a:t>
+              <a:t>2/18/2022</a:t>
             </a:fld>
             <a:endParaRPr lang="en-US"/>
           </a:p>
@@ -46133,7 +46106,7 @@
           <a:p>
             <a:fld id="{B0636D07-AA11-4A08-9129-2B108D1DDE78}" type="datetimeFigureOut">
               <a:rPr lang="en-US" smtClean="0"/>
-              <a:t>2/27/2020</a:t>
+              <a:t>2/18/2022</a:t>
             </a:fld>
             <a:endParaRPr lang="en-US"/>
           </a:p>
@@ -46500,7 +46473,7 @@
           <a:p>
             <a:fld id="{B0636D07-AA11-4A08-9129-2B108D1DDE78}" type="datetimeFigureOut">
               <a:rPr lang="en-US" smtClean="0"/>
-              <a:t>2/27/2020</a:t>
+              <a:t>2/18/2022</a:t>
             </a:fld>
             <a:endParaRPr lang="en-US"/>
           </a:p>
@@ -46618,7 +46591,7 @@
           <a:p>
             <a:fld id="{B0636D07-AA11-4A08-9129-2B108D1DDE78}" type="datetimeFigureOut">
               <a:rPr lang="en-US" smtClean="0"/>
-              <a:t>2/27/2020</a:t>
+              <a:t>2/18/2022</a:t>
             </a:fld>
             <a:endParaRPr lang="en-US"/>
           </a:p>
@@ -46713,7 +46686,7 @@
           <a:p>
             <a:fld id="{B0636D07-AA11-4A08-9129-2B108D1DDE78}" type="datetimeFigureOut">
               <a:rPr lang="en-US" smtClean="0"/>
-              <a:t>2/27/2020</a:t>
+              <a:t>2/18/2022</a:t>
             </a:fld>
             <a:endParaRPr lang="en-US"/>
           </a:p>
@@ -46990,7 +46963,7 @@
           <a:p>
             <a:fld id="{B0636D07-AA11-4A08-9129-2B108D1DDE78}" type="datetimeFigureOut">
               <a:rPr lang="en-US" smtClean="0"/>
-              <a:t>2/27/2020</a:t>
+              <a:t>2/18/2022</a:t>
             </a:fld>
             <a:endParaRPr lang="en-US"/>
           </a:p>
@@ -47243,7 +47216,7 @@
           <a:p>
             <a:fld id="{B0636D07-AA11-4A08-9129-2B108D1DDE78}" type="datetimeFigureOut">
               <a:rPr lang="en-US" smtClean="0"/>
-              <a:t>2/27/2020</a:t>
+              <a:t>2/18/2022</a:t>
             </a:fld>
             <a:endParaRPr lang="en-US"/>
           </a:p>
@@ -47456,7 +47429,7 @@
           <a:p>
             <a:fld id="{B0636D07-AA11-4A08-9129-2B108D1DDE78}" type="datetimeFigureOut">
               <a:rPr lang="en-US" smtClean="0"/>
-              <a:t>2/27/2020</a:t>
+              <a:t>2/18/2022</a:t>
             </a:fld>
             <a:endParaRPr lang="en-US"/>
           </a:p>
@@ -47908,7 +47881,7 @@
             <p:nvPr>
               <p:extLst>
                 <p:ext uri="{D42A27DB-BD31-4B8C-83A1-F6EECF244321}">
-                  <p14:modId xmlns:p14="http://schemas.microsoft.com/office/powerpoint/2010/main" val="169282039"/>
+                  <p14:modId xmlns:p14="http://schemas.microsoft.com/office/powerpoint/2010/main" val="148014156"/>
                 </p:ext>
               </p:extLst>
             </p:nvPr>
